--- a/gcl/教案/JavaPPT/JavaPPT/4.pptx
+++ b/gcl/教案/JavaPPT/JavaPPT/4.pptx
@@ -336,7 +336,7 @@
             <a:fld id="{B2FDAFF6-F84F-4348-8062-22F68F2F883C}" type="datetimeFigureOut">
               <a:rPr lang="zh-CN" altLang="en-US" smtClean="0"/>
               <a:pPr/>
-              <a:t>2023/2/6</a:t>
+              <a:t>2023/3/14</a:t>
             </a:fld>
             <a:endParaRPr lang="zh-CN" altLang="en-US"/>
           </a:p>
@@ -503,7 +503,7 @@
             <a:fld id="{5889AA82-4130-4734-8B4A-6884A5015015}" type="datetimeFigureOut">
               <a:rPr lang="zh-CN" altLang="en-US" smtClean="0"/>
               <a:pPr/>
-              <a:t>2023/2/6</a:t>
+              <a:t>2023/3/14</a:t>
             </a:fld>
             <a:endParaRPr lang="zh-CN" altLang="en-US"/>
           </a:p>
@@ -4043,7 +4043,7 @@
             <a:fld id="{FD3F2B93-9582-4403-A8D9-97AE827D92AF}" type="datetimeFigureOut">
               <a:rPr lang="zh-CN" altLang="en-US" smtClean="0"/>
               <a:pPr/>
-              <a:t>2023/2/6</a:t>
+              <a:t>2023/3/14</a:t>
             </a:fld>
             <a:endParaRPr lang="zh-CN" altLang="en-US"/>
           </a:p>
@@ -4288,7 +4288,7 @@
             <a:fld id="{FD3F2B93-9582-4403-A8D9-97AE827D92AF}" type="datetimeFigureOut">
               <a:rPr lang="zh-CN" altLang="en-US" smtClean="0"/>
               <a:pPr/>
-              <a:t>2023/2/6</a:t>
+              <a:t>2023/3/14</a:t>
             </a:fld>
             <a:endParaRPr lang="zh-CN" altLang="en-US"/>
           </a:p>
@@ -4573,7 +4573,7 @@
             <a:fld id="{FD3F2B93-9582-4403-A8D9-97AE827D92AF}" type="datetimeFigureOut">
               <a:rPr lang="zh-CN" altLang="en-US" smtClean="0"/>
               <a:pPr/>
-              <a:t>2023/2/6</a:t>
+              <a:t>2023/3/14</a:t>
             </a:fld>
             <a:endParaRPr lang="zh-CN" altLang="en-US"/>
           </a:p>
@@ -4969,7 +4969,7 @@
             <a:fld id="{FD3F2B93-9582-4403-A8D9-97AE827D92AF}" type="datetimeFigureOut">
               <a:rPr lang="zh-CN" altLang="en-US" smtClean="0"/>
               <a:pPr/>
-              <a:t>2023/2/6</a:t>
+              <a:t>2023/3/14</a:t>
             </a:fld>
             <a:endParaRPr lang="zh-CN" altLang="en-US"/>
           </a:p>
@@ -5501,7 +5501,7 @@
             <a:fld id="{FD3F2B93-9582-4403-A8D9-97AE827D92AF}" type="datetimeFigureOut">
               <a:rPr lang="zh-CN" altLang="en-US" smtClean="0"/>
               <a:pPr/>
-              <a:t>2023/2/6</a:t>
+              <a:t>2023/3/14</a:t>
             </a:fld>
             <a:endParaRPr lang="zh-CN" altLang="en-US"/>
           </a:p>
@@ -5656,7 +5656,7 @@
             <a:fld id="{FD3F2B93-9582-4403-A8D9-97AE827D92AF}" type="datetimeFigureOut">
               <a:rPr lang="zh-CN" altLang="en-US" smtClean="0"/>
               <a:pPr/>
-              <a:t>2023/2/6</a:t>
+              <a:t>2023/3/14</a:t>
             </a:fld>
             <a:endParaRPr lang="zh-CN" altLang="en-US"/>
           </a:p>
@@ -5759,7 +5759,7 @@
             <a:fld id="{FD3F2B93-9582-4403-A8D9-97AE827D92AF}" type="datetimeFigureOut">
               <a:rPr lang="zh-CN" altLang="en-US" smtClean="0"/>
               <a:pPr/>
-              <a:t>2023/2/6</a:t>
+              <a:t>2023/3/14</a:t>
             </a:fld>
             <a:endParaRPr lang="zh-CN" altLang="en-US"/>
           </a:p>
@@ -6070,7 +6070,7 @@
             <a:fld id="{FD3F2B93-9582-4403-A8D9-97AE827D92AF}" type="datetimeFigureOut">
               <a:rPr lang="zh-CN" altLang="en-US" smtClean="0"/>
               <a:pPr/>
-              <a:t>2023/2/6</a:t>
+              <a:t>2023/3/14</a:t>
             </a:fld>
             <a:endParaRPr lang="zh-CN" altLang="en-US"/>
           </a:p>
@@ -6360,7 +6360,7 @@
             <a:fld id="{FD3F2B93-9582-4403-A8D9-97AE827D92AF}" type="datetimeFigureOut">
               <a:rPr lang="zh-CN" altLang="en-US" smtClean="0"/>
               <a:pPr/>
-              <a:t>2023/2/6</a:t>
+              <a:t>2023/3/14</a:t>
             </a:fld>
             <a:endParaRPr lang="zh-CN" altLang="en-US"/>
           </a:p>
@@ -6595,7 +6595,7 @@
             <a:fld id="{FD3F2B93-9582-4403-A8D9-97AE827D92AF}" type="datetimeFigureOut">
               <a:rPr lang="zh-CN" altLang="en-US" smtClean="0"/>
               <a:pPr/>
-              <a:t>2023/2/6</a:t>
+              <a:t>2023/3/14</a:t>
             </a:fld>
             <a:endParaRPr lang="zh-CN" altLang="en-US"/>
           </a:p>
@@ -14960,7 +14960,7 @@
         <p:spPr/>
         <p:txBody>
           <a:bodyPr>
-            <a:normAutofit fontScale="92500" lnSpcReduction="20000"/>
+            <a:normAutofit fontScale="92500" lnSpcReduction="10000"/>
           </a:bodyPr>
           <a:lstStyle/>
           <a:p>
@@ -17053,6 +17053,256 @@
               <a:rPr lang="zh-CN" altLang="en-US" dirty="0"/>
               <a:t>程序中没有类行不行？没有对象行不行？</a:t>
             </a:r>
+          </a:p>
+        </p:txBody>
+      </p:sp>
+      <p:sp>
+        <p:nvSpPr>
+          <p:cNvPr id="4" name="矩形 3">
+            <a:extLst>
+              <a:ext uri="{FF2B5EF4-FFF2-40B4-BE49-F238E27FC236}">
+                <a16:creationId xmlns:a16="http://schemas.microsoft.com/office/drawing/2014/main" id="{1433484E-931E-2A53-4835-68ADA7761003}"/>
+              </a:ext>
+            </a:extLst>
+          </p:cNvPr>
+          <p:cNvSpPr/>
+          <p:nvPr/>
+        </p:nvSpPr>
+        <p:spPr>
+          <a:xfrm>
+            <a:off x="2356338" y="2924907"/>
+            <a:ext cx="2303585" cy="1688123"/>
+          </a:xfrm>
+          <a:prstGeom prst="rect">
+            <a:avLst/>
+          </a:prstGeom>
+        </p:spPr>
+        <p:style>
+          <a:lnRef idx="2">
+            <a:schemeClr val="accent1">
+              <a:shade val="50000"/>
+            </a:schemeClr>
+          </a:lnRef>
+          <a:fillRef idx="1">
+            <a:schemeClr val="accent1"/>
+          </a:fillRef>
+          <a:effectRef idx="0">
+            <a:schemeClr val="accent1"/>
+          </a:effectRef>
+          <a:fontRef idx="minor">
+            <a:schemeClr val="lt1"/>
+          </a:fontRef>
+        </p:style>
+        <p:txBody>
+          <a:bodyPr rtlCol="0" anchor="ctr"/>
+          <a:lstStyle/>
+          <a:p>
+            <a:pPr algn="ctr"/>
+            <a:r>
+              <a:rPr kumimoji="1" lang="zh-CN" altLang="en-US" dirty="0"/>
+              <a:t>嫌疑人</a:t>
+            </a:r>
+            <a:endParaRPr kumimoji="1" lang="ja-JP" altLang="en-US" dirty="0"/>
+          </a:p>
+        </p:txBody>
+      </p:sp>
+      <p:sp>
+        <p:nvSpPr>
+          <p:cNvPr id="5" name="椭圆 4">
+            <a:extLst>
+              <a:ext uri="{FF2B5EF4-FFF2-40B4-BE49-F238E27FC236}">
+                <a16:creationId xmlns:a16="http://schemas.microsoft.com/office/drawing/2014/main" id="{DE982F4E-3E44-3546-A03D-4F4B2BF89DD9}"/>
+              </a:ext>
+            </a:extLst>
+          </p:cNvPr>
+          <p:cNvSpPr/>
+          <p:nvPr/>
+        </p:nvSpPr>
+        <p:spPr>
+          <a:xfrm>
+            <a:off x="697524" y="2372849"/>
+            <a:ext cx="967154" cy="685800"/>
+          </a:xfrm>
+          <a:prstGeom prst="ellipse">
+            <a:avLst/>
+          </a:prstGeom>
+        </p:spPr>
+        <p:style>
+          <a:lnRef idx="2">
+            <a:schemeClr val="accent1">
+              <a:shade val="50000"/>
+            </a:schemeClr>
+          </a:lnRef>
+          <a:fillRef idx="1">
+            <a:schemeClr val="accent1"/>
+          </a:fillRef>
+          <a:effectRef idx="0">
+            <a:schemeClr val="accent1"/>
+          </a:effectRef>
+          <a:fontRef idx="minor">
+            <a:schemeClr val="lt1"/>
+          </a:fontRef>
+        </p:style>
+        <p:txBody>
+          <a:bodyPr rtlCol="0" anchor="ctr"/>
+          <a:lstStyle/>
+          <a:p>
+            <a:pPr algn="ctr"/>
+            <a:r>
+              <a:rPr kumimoji="1" lang="zh-CN" altLang="en-US" dirty="0"/>
+              <a:t>身材高</a:t>
+            </a:r>
+            <a:endParaRPr kumimoji="1" lang="ja-JP" altLang="en-US" dirty="0"/>
+          </a:p>
+        </p:txBody>
+      </p:sp>
+      <p:sp>
+        <p:nvSpPr>
+          <p:cNvPr id="6" name="椭圆 5">
+            <a:extLst>
+              <a:ext uri="{FF2B5EF4-FFF2-40B4-BE49-F238E27FC236}">
+                <a16:creationId xmlns:a16="http://schemas.microsoft.com/office/drawing/2014/main" id="{1CECB3CC-3034-C7E6-B98F-83F7430AEB75}"/>
+              </a:ext>
+            </a:extLst>
+          </p:cNvPr>
+          <p:cNvSpPr/>
+          <p:nvPr/>
+        </p:nvSpPr>
+        <p:spPr>
+          <a:xfrm>
+            <a:off x="697524" y="3426069"/>
+            <a:ext cx="967154" cy="685800"/>
+          </a:xfrm>
+          <a:prstGeom prst="ellipse">
+            <a:avLst/>
+          </a:prstGeom>
+        </p:spPr>
+        <p:style>
+          <a:lnRef idx="2">
+            <a:schemeClr val="accent1">
+              <a:shade val="50000"/>
+            </a:schemeClr>
+          </a:lnRef>
+          <a:fillRef idx="1">
+            <a:schemeClr val="accent1"/>
+          </a:fillRef>
+          <a:effectRef idx="0">
+            <a:schemeClr val="accent1"/>
+          </a:effectRef>
+          <a:fontRef idx="minor">
+            <a:schemeClr val="lt1"/>
+          </a:fontRef>
+        </p:style>
+        <p:txBody>
+          <a:bodyPr rtlCol="0" anchor="ctr"/>
+          <a:lstStyle/>
+          <a:p>
+            <a:pPr algn="ctr"/>
+            <a:r>
+              <a:rPr kumimoji="1" lang="zh-CN" altLang="en-US" dirty="0"/>
+              <a:t>头发长</a:t>
+            </a:r>
+            <a:endParaRPr kumimoji="1" lang="ja-JP" altLang="en-US" dirty="0"/>
+          </a:p>
+        </p:txBody>
+      </p:sp>
+      <p:sp>
+        <p:nvSpPr>
+          <p:cNvPr id="7" name="椭圆 6">
+            <a:extLst>
+              <a:ext uri="{FF2B5EF4-FFF2-40B4-BE49-F238E27FC236}">
+                <a16:creationId xmlns:a16="http://schemas.microsoft.com/office/drawing/2014/main" id="{FD93C379-504F-23AF-0EA3-269F00965773}"/>
+              </a:ext>
+            </a:extLst>
+          </p:cNvPr>
+          <p:cNvSpPr/>
+          <p:nvPr/>
+        </p:nvSpPr>
+        <p:spPr>
+          <a:xfrm flipV="1">
+            <a:off x="624254" y="4528038"/>
+            <a:ext cx="967154" cy="852854"/>
+          </a:xfrm>
+          <a:prstGeom prst="ellipse">
+            <a:avLst/>
+          </a:prstGeom>
+        </p:spPr>
+        <p:style>
+          <a:lnRef idx="2">
+            <a:schemeClr val="accent1">
+              <a:shade val="50000"/>
+            </a:schemeClr>
+          </a:lnRef>
+          <a:fillRef idx="1">
+            <a:schemeClr val="accent1"/>
+          </a:fillRef>
+          <a:effectRef idx="0">
+            <a:schemeClr val="accent1"/>
+          </a:effectRef>
+          <a:fontRef idx="minor">
+            <a:schemeClr val="lt1"/>
+          </a:fontRef>
+        </p:style>
+        <p:txBody>
+          <a:bodyPr rtlCol="0" anchor="ctr"/>
+          <a:lstStyle/>
+          <a:p>
+            <a:pPr algn="ctr"/>
+            <a:r>
+              <a:rPr kumimoji="1" lang="zh-CN" altLang="en-US" dirty="0"/>
+              <a:t>脸上忧伤吧</a:t>
+            </a:r>
+            <a:endParaRPr kumimoji="1" lang="ja-JP" altLang="en-US" dirty="0"/>
+          </a:p>
+        </p:txBody>
+      </p:sp>
+      <p:sp>
+        <p:nvSpPr>
+          <p:cNvPr id="8" name="椭圆 7">
+            <a:extLst>
+              <a:ext uri="{FF2B5EF4-FFF2-40B4-BE49-F238E27FC236}">
+                <a16:creationId xmlns:a16="http://schemas.microsoft.com/office/drawing/2014/main" id="{D2437D96-0669-AFD0-2321-DE9B364DB026}"/>
+              </a:ext>
+            </a:extLst>
+          </p:cNvPr>
+          <p:cNvSpPr/>
+          <p:nvPr/>
+        </p:nvSpPr>
+        <p:spPr>
+          <a:xfrm>
+            <a:off x="2907324" y="5239059"/>
+            <a:ext cx="967154" cy="685800"/>
+          </a:xfrm>
+          <a:prstGeom prst="ellipse">
+            <a:avLst/>
+          </a:prstGeom>
+        </p:spPr>
+        <p:style>
+          <a:lnRef idx="2">
+            <a:schemeClr val="accent1">
+              <a:shade val="50000"/>
+            </a:schemeClr>
+          </a:lnRef>
+          <a:fillRef idx="1">
+            <a:schemeClr val="accent1"/>
+          </a:fillRef>
+          <a:effectRef idx="0">
+            <a:schemeClr val="accent1"/>
+          </a:effectRef>
+          <a:fontRef idx="minor">
+            <a:schemeClr val="lt1"/>
+          </a:fontRef>
+        </p:style>
+        <p:txBody>
+          <a:bodyPr rtlCol="0" anchor="ctr"/>
+          <a:lstStyle/>
+          <a:p>
+            <a:pPr algn="ctr"/>
+            <a:r>
+              <a:rPr kumimoji="1" lang="zh-CN" altLang="en-US" dirty="0"/>
+              <a:t>吃饭</a:t>
+            </a:r>
+            <a:endParaRPr kumimoji="1" lang="ja-JP" altLang="en-US" dirty="0"/>
           </a:p>
         </p:txBody>
       </p:sp>
@@ -22483,7 +22733,7 @@
             </a:lstStyle>
             <a:p>
               <a:r>
-                <a:rPr lang="en-US" altLang="zh-CN"/>
+                <a:rPr lang="en-US" altLang="zh-CN" dirty="0"/>
                 <a:t>……</a:t>
               </a:r>
             </a:p>
@@ -24890,9 +25140,9 @@
         <p:grpSpPr>
           <a:xfrm>
             <a:off x="1296294" y="4743195"/>
-            <a:ext cx="9547444" cy="482553"/>
+            <a:ext cx="9547444" cy="500137"/>
             <a:chOff x="2256675" y="3224574"/>
-            <a:chExt cx="9547444" cy="801736"/>
+            <a:chExt cx="9547444" cy="830951"/>
           </a:xfrm>
         </p:grpSpPr>
         <p:sp>
@@ -25087,7 +25337,7 @@
           </p:nvSpPr>
           <p:spPr>
             <a:xfrm>
-              <a:off x="9427264" y="3224574"/>
+              <a:off x="9427264" y="3253789"/>
               <a:ext cx="2376855" cy="801736"/>
             </a:xfrm>
             <a:prstGeom prst="rect">
@@ -27423,7 +27673,9 @@
         </p:nvSpPr>
         <p:spPr/>
         <p:txBody>
-          <a:bodyPr/>
+          <a:bodyPr>
+            <a:normAutofit/>
+          </a:bodyPr>
           <a:lstStyle/>
           <a:p>
             <a:r>
@@ -27468,6 +27720,8 @@
               <a:rPr lang="en-US" altLang="zh-CN" dirty="0"/>
               <a:t>Bike</a:t>
             </a:r>
+          </a:p>
+          <a:p>
             <a:endParaRPr lang="zh-CN" altLang="en-US" dirty="0"/>
           </a:p>
         </p:txBody>
@@ -28317,7 +28571,7 @@
         <p:spPr/>
         <p:txBody>
           <a:bodyPr>
-            <a:normAutofit fontScale="92500" lnSpcReduction="10000"/>
+            <a:normAutofit lnSpcReduction="10000"/>
           </a:bodyPr>
           <a:lstStyle/>
           <a:p>
@@ -34791,7 +35045,15 @@
             <a:pPr lvl="1"/>
             <a:r>
               <a:rPr lang="zh-CN" altLang="en-US" dirty="0"/>
-              <a:t>同时将具有相同特征的对象抽象成一种新的数据类型</a:t>
+              <a:t>同时将具有相同特征的对象抽象成一种新的</a:t>
+            </a:r>
+            <a:r>
+              <a:rPr lang="zh-CN" altLang="en-US" dirty="0">
+                <a:solidFill>
+                  <a:srgbClr val="FF0000"/>
+                </a:solidFill>
+              </a:rPr>
+              <a:t>数据类型</a:t>
             </a:r>
             <a:r>
               <a:rPr lang="en-US" altLang="zh-CN" dirty="0"/>
@@ -42228,7 +42490,7 @@
         </p:nvSpPr>
         <p:spPr bwMode="auto">
           <a:xfrm>
-            <a:off x="5351790" y="4688632"/>
+            <a:off x="5501259" y="4744063"/>
             <a:ext cx="3024188" cy="369332"/>
           </a:xfrm>
           <a:prstGeom prst="rect">
@@ -45266,6 +45528,823 @@
           </a:p>
         </p:txBody>
       </p:sp>
+      <p:sp>
+        <p:nvSpPr>
+          <p:cNvPr id="3" name="矩形 2">
+            <a:extLst>
+              <a:ext uri="{FF2B5EF4-FFF2-40B4-BE49-F238E27FC236}">
+                <a16:creationId xmlns:a16="http://schemas.microsoft.com/office/drawing/2014/main" id="{79C41994-9CEF-BFFD-0B06-695D71FD3EE3}"/>
+              </a:ext>
+            </a:extLst>
+          </p:cNvPr>
+          <p:cNvSpPr/>
+          <p:nvPr/>
+        </p:nvSpPr>
+        <p:spPr>
+          <a:xfrm>
+            <a:off x="4404358" y="3761032"/>
+            <a:ext cx="1820010" cy="873427"/>
+          </a:xfrm>
+          <a:prstGeom prst="rect">
+            <a:avLst/>
+          </a:prstGeom>
+        </p:spPr>
+        <p:style>
+          <a:lnRef idx="2">
+            <a:schemeClr val="accent1">
+              <a:shade val="50000"/>
+            </a:schemeClr>
+          </a:lnRef>
+          <a:fillRef idx="1">
+            <a:schemeClr val="accent1"/>
+          </a:fillRef>
+          <a:effectRef idx="0">
+            <a:schemeClr val="accent1"/>
+          </a:effectRef>
+          <a:fontRef idx="minor">
+            <a:schemeClr val="lt1"/>
+          </a:fontRef>
+        </p:style>
+        <p:txBody>
+          <a:bodyPr rtlCol="0" anchor="ctr"/>
+          <a:lstStyle/>
+          <a:p>
+            <a:pPr algn="ctr"/>
+            <a:r>
+              <a:rPr kumimoji="1" lang="zh-CN" altLang="en-US" dirty="0"/>
+              <a:t>大学生</a:t>
+            </a:r>
+            <a:r>
+              <a:rPr kumimoji="1" lang="en-US" altLang="zh-CN" dirty="0"/>
+              <a:t>—</a:t>
+            </a:r>
+            <a:r>
+              <a:rPr kumimoji="1" lang="zh-CN" altLang="en-US" dirty="0"/>
+              <a:t>类</a:t>
+            </a:r>
+            <a:endParaRPr kumimoji="1" lang="ja-JP" altLang="en-US" dirty="0"/>
+          </a:p>
+        </p:txBody>
+      </p:sp>
+      <p:sp>
+        <p:nvSpPr>
+          <p:cNvPr id="5" name="矩形 4">
+            <a:extLst>
+              <a:ext uri="{FF2B5EF4-FFF2-40B4-BE49-F238E27FC236}">
+                <a16:creationId xmlns:a16="http://schemas.microsoft.com/office/drawing/2014/main" id="{CDAAD04B-81EF-8FF2-3E3C-D011F4493CC7}"/>
+              </a:ext>
+            </a:extLst>
+          </p:cNvPr>
+          <p:cNvSpPr/>
+          <p:nvPr/>
+        </p:nvSpPr>
+        <p:spPr>
+          <a:xfrm>
+            <a:off x="6975231" y="4360705"/>
+            <a:ext cx="1820010" cy="849126"/>
+          </a:xfrm>
+          <a:prstGeom prst="rect">
+            <a:avLst/>
+          </a:prstGeom>
+        </p:spPr>
+        <p:style>
+          <a:lnRef idx="2">
+            <a:schemeClr val="accent1">
+              <a:shade val="50000"/>
+            </a:schemeClr>
+          </a:lnRef>
+          <a:fillRef idx="1">
+            <a:schemeClr val="accent1"/>
+          </a:fillRef>
+          <a:effectRef idx="0">
+            <a:schemeClr val="accent1"/>
+          </a:effectRef>
+          <a:fontRef idx="minor">
+            <a:schemeClr val="lt1"/>
+          </a:fontRef>
+        </p:style>
+        <p:txBody>
+          <a:bodyPr rtlCol="0" anchor="ctr"/>
+          <a:lstStyle/>
+          <a:p>
+            <a:pPr algn="ctr"/>
+            <a:r>
+              <a:rPr kumimoji="1" lang="zh-CN" altLang="en-US" dirty="0"/>
+              <a:t>学生</a:t>
+            </a:r>
+            <a:r>
+              <a:rPr kumimoji="1" lang="en-US" altLang="zh-CN" dirty="0"/>
+              <a:t>--</a:t>
+            </a:r>
+            <a:r>
+              <a:rPr kumimoji="1" lang="zh-CN" altLang="en-US" dirty="0"/>
+              <a:t>类</a:t>
+            </a:r>
+            <a:endParaRPr kumimoji="1" lang="ja-JP" altLang="en-US" dirty="0"/>
+          </a:p>
+        </p:txBody>
+      </p:sp>
+      <p:sp>
+        <p:nvSpPr>
+          <p:cNvPr id="6" name="椭圆 5">
+            <a:extLst>
+              <a:ext uri="{FF2B5EF4-FFF2-40B4-BE49-F238E27FC236}">
+                <a16:creationId xmlns:a16="http://schemas.microsoft.com/office/drawing/2014/main" id="{D522CE4F-4E3A-E55D-5AEC-F74C413F1CDE}"/>
+              </a:ext>
+            </a:extLst>
+          </p:cNvPr>
+          <p:cNvSpPr/>
+          <p:nvPr/>
+        </p:nvSpPr>
+        <p:spPr>
+          <a:xfrm>
+            <a:off x="9686191" y="3068515"/>
+            <a:ext cx="1541586" cy="720970"/>
+          </a:xfrm>
+          <a:prstGeom prst="ellipse">
+            <a:avLst/>
+          </a:prstGeom>
+        </p:spPr>
+        <p:style>
+          <a:lnRef idx="2">
+            <a:schemeClr val="accent1">
+              <a:shade val="50000"/>
+            </a:schemeClr>
+          </a:lnRef>
+          <a:fillRef idx="1">
+            <a:schemeClr val="accent1"/>
+          </a:fillRef>
+          <a:effectRef idx="0">
+            <a:schemeClr val="accent1"/>
+          </a:effectRef>
+          <a:fontRef idx="minor">
+            <a:schemeClr val="lt1"/>
+          </a:fontRef>
+        </p:style>
+        <p:txBody>
+          <a:bodyPr rtlCol="0" anchor="ctr"/>
+          <a:lstStyle/>
+          <a:p>
+            <a:pPr algn="ctr"/>
+            <a:r>
+              <a:rPr kumimoji="1" lang="en-US" altLang="zh-CN" dirty="0"/>
+              <a:t>1.</a:t>
+            </a:r>
+            <a:r>
+              <a:rPr kumimoji="1" lang="zh-CN" altLang="en-US" dirty="0"/>
+              <a:t>要上学</a:t>
+            </a:r>
+            <a:endParaRPr kumimoji="1" lang="ja-JP" altLang="en-US" dirty="0"/>
+          </a:p>
+        </p:txBody>
+      </p:sp>
+      <p:sp>
+        <p:nvSpPr>
+          <p:cNvPr id="7" name="椭圆 6">
+            <a:extLst>
+              <a:ext uri="{FF2B5EF4-FFF2-40B4-BE49-F238E27FC236}">
+                <a16:creationId xmlns:a16="http://schemas.microsoft.com/office/drawing/2014/main" id="{4221322D-1D97-E625-4443-6D2EA7C68E87}"/>
+              </a:ext>
+            </a:extLst>
+          </p:cNvPr>
+          <p:cNvSpPr/>
+          <p:nvPr/>
+        </p:nvSpPr>
+        <p:spPr>
+          <a:xfrm>
+            <a:off x="9689120" y="4179334"/>
+            <a:ext cx="1541585" cy="720970"/>
+          </a:xfrm>
+          <a:prstGeom prst="ellipse">
+            <a:avLst/>
+          </a:prstGeom>
+        </p:spPr>
+        <p:style>
+          <a:lnRef idx="2">
+            <a:schemeClr val="accent1">
+              <a:shade val="50000"/>
+            </a:schemeClr>
+          </a:lnRef>
+          <a:fillRef idx="1">
+            <a:schemeClr val="accent1"/>
+          </a:fillRef>
+          <a:effectRef idx="0">
+            <a:schemeClr val="accent1"/>
+          </a:effectRef>
+          <a:fontRef idx="minor">
+            <a:schemeClr val="lt1"/>
+          </a:fontRef>
+        </p:style>
+        <p:txBody>
+          <a:bodyPr rtlCol="0" anchor="ctr"/>
+          <a:lstStyle/>
+          <a:p>
+            <a:pPr algn="ctr"/>
+            <a:r>
+              <a:rPr kumimoji="1" lang="en-US" altLang="ja-JP" dirty="0"/>
+              <a:t>2.</a:t>
+            </a:r>
+            <a:r>
+              <a:rPr kumimoji="1" lang="zh-CN" altLang="en-US" dirty="0"/>
+              <a:t>要吃饭</a:t>
+            </a:r>
+            <a:endParaRPr kumimoji="1" lang="ja-JP" altLang="en-US" dirty="0"/>
+          </a:p>
+        </p:txBody>
+      </p:sp>
+      <p:sp>
+        <p:nvSpPr>
+          <p:cNvPr id="8" name="椭圆 7">
+            <a:extLst>
+              <a:ext uri="{FF2B5EF4-FFF2-40B4-BE49-F238E27FC236}">
+                <a16:creationId xmlns:a16="http://schemas.microsoft.com/office/drawing/2014/main" id="{C8120002-7487-5227-0469-5DC6F412F03F}"/>
+              </a:ext>
+            </a:extLst>
+          </p:cNvPr>
+          <p:cNvSpPr/>
+          <p:nvPr/>
+        </p:nvSpPr>
+        <p:spPr>
+          <a:xfrm>
+            <a:off x="8534694" y="5503984"/>
+            <a:ext cx="1541585" cy="720970"/>
+          </a:xfrm>
+          <a:prstGeom prst="ellipse">
+            <a:avLst/>
+          </a:prstGeom>
+        </p:spPr>
+        <p:style>
+          <a:lnRef idx="2">
+            <a:schemeClr val="accent1">
+              <a:shade val="50000"/>
+            </a:schemeClr>
+          </a:lnRef>
+          <a:fillRef idx="1">
+            <a:schemeClr val="accent1"/>
+          </a:fillRef>
+          <a:effectRef idx="0">
+            <a:schemeClr val="accent1"/>
+          </a:effectRef>
+          <a:fontRef idx="minor">
+            <a:schemeClr val="lt1"/>
+          </a:fontRef>
+        </p:style>
+        <p:txBody>
+          <a:bodyPr rtlCol="0" anchor="ctr"/>
+          <a:lstStyle/>
+          <a:p>
+            <a:pPr algn="ctr"/>
+            <a:r>
+              <a:rPr kumimoji="1" lang="en-US" altLang="ja-JP" dirty="0"/>
+              <a:t>3.</a:t>
+            </a:r>
+            <a:r>
+              <a:rPr kumimoji="1" lang="zh-CN" altLang="en-US" dirty="0"/>
+              <a:t>写作业</a:t>
+            </a:r>
+            <a:endParaRPr kumimoji="1" lang="ja-JP" altLang="en-US" dirty="0"/>
+          </a:p>
+        </p:txBody>
+      </p:sp>
+      <p:sp>
+        <p:nvSpPr>
+          <p:cNvPr id="9" name="矩形 8">
+            <a:extLst>
+              <a:ext uri="{FF2B5EF4-FFF2-40B4-BE49-F238E27FC236}">
+                <a16:creationId xmlns:a16="http://schemas.microsoft.com/office/drawing/2014/main" id="{1EB67A26-3E22-C051-320C-B6E523AA91D8}"/>
+              </a:ext>
+            </a:extLst>
+          </p:cNvPr>
+          <p:cNvSpPr/>
+          <p:nvPr/>
+        </p:nvSpPr>
+        <p:spPr>
+          <a:xfrm>
+            <a:off x="4404358" y="4785268"/>
+            <a:ext cx="1820010" cy="873427"/>
+          </a:xfrm>
+          <a:prstGeom prst="rect">
+            <a:avLst/>
+          </a:prstGeom>
+        </p:spPr>
+        <p:style>
+          <a:lnRef idx="2">
+            <a:schemeClr val="accent1">
+              <a:shade val="50000"/>
+            </a:schemeClr>
+          </a:lnRef>
+          <a:fillRef idx="1">
+            <a:schemeClr val="accent1"/>
+          </a:fillRef>
+          <a:effectRef idx="0">
+            <a:schemeClr val="accent1"/>
+          </a:effectRef>
+          <a:fontRef idx="minor">
+            <a:schemeClr val="lt1"/>
+          </a:fontRef>
+        </p:style>
+        <p:txBody>
+          <a:bodyPr rtlCol="0" anchor="ctr"/>
+          <a:lstStyle/>
+          <a:p>
+            <a:pPr algn="ctr"/>
+            <a:r>
+              <a:rPr kumimoji="1" lang="zh-CN" altLang="en-US" dirty="0"/>
+              <a:t>小学生</a:t>
+            </a:r>
+            <a:r>
+              <a:rPr kumimoji="1" lang="en-US" altLang="zh-CN" dirty="0"/>
+              <a:t>—</a:t>
+            </a:r>
+            <a:r>
+              <a:rPr kumimoji="1" lang="zh-CN" altLang="en-US" dirty="0"/>
+              <a:t>类</a:t>
+            </a:r>
+            <a:endParaRPr kumimoji="1" lang="ja-JP" altLang="en-US" dirty="0"/>
+          </a:p>
+        </p:txBody>
+      </p:sp>
+      <p:cxnSp>
+        <p:nvCxnSpPr>
+          <p:cNvPr id="12" name="直接箭头连接符 11">
+            <a:extLst>
+              <a:ext uri="{FF2B5EF4-FFF2-40B4-BE49-F238E27FC236}">
+                <a16:creationId xmlns:a16="http://schemas.microsoft.com/office/drawing/2014/main" id="{E5C96E53-CE56-6FF1-6CF1-C8C780C0AF16}"/>
+              </a:ext>
+            </a:extLst>
+          </p:cNvPr>
+          <p:cNvCxnSpPr>
+            <a:stCxn id="5" idx="1"/>
+          </p:cNvCxnSpPr>
+          <p:nvPr/>
+        </p:nvCxnSpPr>
+        <p:spPr>
+          <a:xfrm flipH="1" flipV="1">
+            <a:off x="6096000" y="4116316"/>
+            <a:ext cx="879231" cy="668952"/>
+          </a:xfrm>
+          <a:prstGeom prst="straightConnector1">
+            <a:avLst/>
+          </a:prstGeom>
+          <a:ln>
+            <a:tailEnd type="triangle"/>
+          </a:ln>
+        </p:spPr>
+        <p:style>
+          <a:lnRef idx="1">
+            <a:schemeClr val="accent1"/>
+          </a:lnRef>
+          <a:fillRef idx="0">
+            <a:schemeClr val="accent1"/>
+          </a:fillRef>
+          <a:effectRef idx="0">
+            <a:schemeClr val="accent1"/>
+          </a:effectRef>
+          <a:fontRef idx="minor">
+            <a:schemeClr val="tx1"/>
+          </a:fontRef>
+        </p:style>
+      </p:cxnSp>
+      <p:cxnSp>
+        <p:nvCxnSpPr>
+          <p:cNvPr id="14" name="直接箭头连接符 13">
+            <a:extLst>
+              <a:ext uri="{FF2B5EF4-FFF2-40B4-BE49-F238E27FC236}">
+                <a16:creationId xmlns:a16="http://schemas.microsoft.com/office/drawing/2014/main" id="{F334A480-569A-3B4F-EBBE-EB06AD2D7E31}"/>
+              </a:ext>
+            </a:extLst>
+          </p:cNvPr>
+          <p:cNvCxnSpPr>
+            <a:stCxn id="5" idx="1"/>
+            <a:endCxn id="9" idx="3"/>
+          </p:cNvCxnSpPr>
+          <p:nvPr/>
+        </p:nvCxnSpPr>
+        <p:spPr>
+          <a:xfrm flipH="1">
+            <a:off x="6224368" y="4785268"/>
+            <a:ext cx="750863" cy="436714"/>
+          </a:xfrm>
+          <a:prstGeom prst="straightConnector1">
+            <a:avLst/>
+          </a:prstGeom>
+          <a:ln>
+            <a:tailEnd type="triangle"/>
+          </a:ln>
+        </p:spPr>
+        <p:style>
+          <a:lnRef idx="1">
+            <a:schemeClr val="accent1"/>
+          </a:lnRef>
+          <a:fillRef idx="0">
+            <a:schemeClr val="accent1"/>
+          </a:fillRef>
+          <a:effectRef idx="0">
+            <a:schemeClr val="accent1"/>
+          </a:effectRef>
+          <a:fontRef idx="minor">
+            <a:schemeClr val="tx1"/>
+          </a:fontRef>
+        </p:style>
+      </p:cxnSp>
+      <p:cxnSp>
+        <p:nvCxnSpPr>
+          <p:cNvPr id="18" name="直接箭头连接符 17">
+            <a:extLst>
+              <a:ext uri="{FF2B5EF4-FFF2-40B4-BE49-F238E27FC236}">
+                <a16:creationId xmlns:a16="http://schemas.microsoft.com/office/drawing/2014/main" id="{CBACA196-AF32-4154-9C6E-936C48722C65}"/>
+              </a:ext>
+            </a:extLst>
+          </p:cNvPr>
+          <p:cNvCxnSpPr>
+            <a:stCxn id="6" idx="2"/>
+          </p:cNvCxnSpPr>
+          <p:nvPr/>
+        </p:nvCxnSpPr>
+        <p:spPr>
+          <a:xfrm flipH="1">
+            <a:off x="8795241" y="3429000"/>
+            <a:ext cx="890950" cy="1205459"/>
+          </a:xfrm>
+          <a:prstGeom prst="straightConnector1">
+            <a:avLst/>
+          </a:prstGeom>
+          <a:ln>
+            <a:tailEnd type="triangle"/>
+          </a:ln>
+        </p:spPr>
+        <p:style>
+          <a:lnRef idx="1">
+            <a:schemeClr val="accent1"/>
+          </a:lnRef>
+          <a:fillRef idx="0">
+            <a:schemeClr val="accent1"/>
+          </a:fillRef>
+          <a:effectRef idx="0">
+            <a:schemeClr val="accent1"/>
+          </a:effectRef>
+          <a:fontRef idx="minor">
+            <a:schemeClr val="tx1"/>
+          </a:fontRef>
+        </p:style>
+      </p:cxnSp>
+      <p:cxnSp>
+        <p:nvCxnSpPr>
+          <p:cNvPr id="20" name="直接箭头连接符 19">
+            <a:extLst>
+              <a:ext uri="{FF2B5EF4-FFF2-40B4-BE49-F238E27FC236}">
+                <a16:creationId xmlns:a16="http://schemas.microsoft.com/office/drawing/2014/main" id="{5A09FEC9-9749-3FC4-7C69-1FB1CDA37DC6}"/>
+              </a:ext>
+            </a:extLst>
+          </p:cNvPr>
+          <p:cNvCxnSpPr>
+            <a:stCxn id="7" idx="2"/>
+          </p:cNvCxnSpPr>
+          <p:nvPr/>
+        </p:nvCxnSpPr>
+        <p:spPr>
+          <a:xfrm flipH="1">
+            <a:off x="8795241" y="4539819"/>
+            <a:ext cx="893879" cy="118629"/>
+          </a:xfrm>
+          <a:prstGeom prst="straightConnector1">
+            <a:avLst/>
+          </a:prstGeom>
+          <a:ln>
+            <a:tailEnd type="triangle"/>
+          </a:ln>
+        </p:spPr>
+        <p:style>
+          <a:lnRef idx="1">
+            <a:schemeClr val="accent1"/>
+          </a:lnRef>
+          <a:fillRef idx="0">
+            <a:schemeClr val="accent1"/>
+          </a:fillRef>
+          <a:effectRef idx="0">
+            <a:schemeClr val="accent1"/>
+          </a:effectRef>
+          <a:fontRef idx="minor">
+            <a:schemeClr val="tx1"/>
+          </a:fontRef>
+        </p:style>
+      </p:cxnSp>
+      <p:cxnSp>
+        <p:nvCxnSpPr>
+          <p:cNvPr id="22" name="直接箭头连接符 21">
+            <a:extLst>
+              <a:ext uri="{FF2B5EF4-FFF2-40B4-BE49-F238E27FC236}">
+                <a16:creationId xmlns:a16="http://schemas.microsoft.com/office/drawing/2014/main" id="{5DABA503-E1FA-AF26-C3C9-5C9EDBD22596}"/>
+              </a:ext>
+            </a:extLst>
+          </p:cNvPr>
+          <p:cNvCxnSpPr>
+            <a:stCxn id="8" idx="0"/>
+            <a:endCxn id="5" idx="3"/>
+          </p:cNvCxnSpPr>
+          <p:nvPr/>
+        </p:nvCxnSpPr>
+        <p:spPr>
+          <a:xfrm flipH="1" flipV="1">
+            <a:off x="8793777" y="4708067"/>
+            <a:ext cx="511710" cy="795917"/>
+          </a:xfrm>
+          <a:prstGeom prst="straightConnector1">
+            <a:avLst/>
+          </a:prstGeom>
+          <a:ln>
+            <a:tailEnd type="triangle"/>
+          </a:ln>
+        </p:spPr>
+        <p:style>
+          <a:lnRef idx="1">
+            <a:schemeClr val="accent1"/>
+          </a:lnRef>
+          <a:fillRef idx="0">
+            <a:schemeClr val="accent1"/>
+          </a:fillRef>
+          <a:effectRef idx="0">
+            <a:schemeClr val="accent1"/>
+          </a:effectRef>
+          <a:fontRef idx="minor">
+            <a:schemeClr val="tx1"/>
+          </a:fontRef>
+        </p:style>
+      </p:cxnSp>
+      <p:sp>
+        <p:nvSpPr>
+          <p:cNvPr id="23" name="椭圆 22">
+            <a:extLst>
+              <a:ext uri="{FF2B5EF4-FFF2-40B4-BE49-F238E27FC236}">
+                <a16:creationId xmlns:a16="http://schemas.microsoft.com/office/drawing/2014/main" id="{A44ADF64-6369-B356-AA66-2632F0A008D9}"/>
+              </a:ext>
+            </a:extLst>
+          </p:cNvPr>
+          <p:cNvSpPr/>
+          <p:nvPr/>
+        </p:nvSpPr>
+        <p:spPr>
+          <a:xfrm>
+            <a:off x="2505809" y="2823984"/>
+            <a:ext cx="1466258" cy="849126"/>
+          </a:xfrm>
+          <a:prstGeom prst="ellipse">
+            <a:avLst/>
+          </a:prstGeom>
+        </p:spPr>
+        <p:style>
+          <a:lnRef idx="2">
+            <a:schemeClr val="accent1">
+              <a:shade val="50000"/>
+            </a:schemeClr>
+          </a:lnRef>
+          <a:fillRef idx="1">
+            <a:schemeClr val="accent1"/>
+          </a:fillRef>
+          <a:effectRef idx="0">
+            <a:schemeClr val="accent1"/>
+          </a:effectRef>
+          <a:fontRef idx="minor">
+            <a:schemeClr val="lt1"/>
+          </a:fontRef>
+        </p:style>
+        <p:txBody>
+          <a:bodyPr rtlCol="0" anchor="ctr"/>
+          <a:lstStyle/>
+          <a:p>
+            <a:pPr algn="ctr"/>
+            <a:r>
+              <a:rPr kumimoji="1" lang="en-US" altLang="ja-JP" dirty="0"/>
+              <a:t>1.</a:t>
+            </a:r>
+            <a:r>
+              <a:rPr kumimoji="1" lang="zh-CN" altLang="en-US" dirty="0"/>
+              <a:t>熬夜</a:t>
+            </a:r>
+            <a:endParaRPr kumimoji="1" lang="ja-JP" altLang="en-US" dirty="0"/>
+          </a:p>
+        </p:txBody>
+      </p:sp>
+      <p:sp>
+        <p:nvSpPr>
+          <p:cNvPr id="24" name="椭圆 23">
+            <a:extLst>
+              <a:ext uri="{FF2B5EF4-FFF2-40B4-BE49-F238E27FC236}">
+                <a16:creationId xmlns:a16="http://schemas.microsoft.com/office/drawing/2014/main" id="{056B3578-2247-9C78-9489-17BE28F9D9EB}"/>
+              </a:ext>
+            </a:extLst>
+          </p:cNvPr>
+          <p:cNvSpPr/>
+          <p:nvPr/>
+        </p:nvSpPr>
+        <p:spPr>
+          <a:xfrm>
+            <a:off x="2215662" y="3789485"/>
+            <a:ext cx="1678450" cy="849126"/>
+          </a:xfrm>
+          <a:prstGeom prst="ellipse">
+            <a:avLst/>
+          </a:prstGeom>
+        </p:spPr>
+        <p:style>
+          <a:lnRef idx="2">
+            <a:schemeClr val="accent1">
+              <a:shade val="50000"/>
+            </a:schemeClr>
+          </a:lnRef>
+          <a:fillRef idx="1">
+            <a:schemeClr val="accent1"/>
+          </a:fillRef>
+          <a:effectRef idx="0">
+            <a:schemeClr val="accent1"/>
+          </a:effectRef>
+          <a:fontRef idx="minor">
+            <a:schemeClr val="lt1"/>
+          </a:fontRef>
+        </p:style>
+        <p:txBody>
+          <a:bodyPr rtlCol="0" anchor="ctr"/>
+          <a:lstStyle/>
+          <a:p>
+            <a:pPr algn="ctr"/>
+            <a:r>
+              <a:rPr kumimoji="1" lang="en-US" altLang="ja-JP" dirty="0"/>
+              <a:t>2.</a:t>
+            </a:r>
+            <a:r>
+              <a:rPr kumimoji="1" lang="zh-CN" altLang="en-US" dirty="0"/>
+              <a:t>打游戏</a:t>
+            </a:r>
+            <a:endParaRPr kumimoji="1" lang="ja-JP" altLang="en-US" dirty="0"/>
+          </a:p>
+        </p:txBody>
+      </p:sp>
+      <p:sp>
+        <p:nvSpPr>
+          <p:cNvPr id="25" name="椭圆 24">
+            <a:extLst>
+              <a:ext uri="{FF2B5EF4-FFF2-40B4-BE49-F238E27FC236}">
+                <a16:creationId xmlns:a16="http://schemas.microsoft.com/office/drawing/2014/main" id="{264F9936-86E3-8FFA-16FF-13F162BBB80F}"/>
+              </a:ext>
+            </a:extLst>
+          </p:cNvPr>
+          <p:cNvSpPr/>
+          <p:nvPr/>
+        </p:nvSpPr>
+        <p:spPr>
+          <a:xfrm>
+            <a:off x="4545918" y="2579874"/>
+            <a:ext cx="1678450" cy="849126"/>
+          </a:xfrm>
+          <a:prstGeom prst="ellipse">
+            <a:avLst/>
+          </a:prstGeom>
+        </p:spPr>
+        <p:style>
+          <a:lnRef idx="2">
+            <a:schemeClr val="accent1">
+              <a:shade val="50000"/>
+            </a:schemeClr>
+          </a:lnRef>
+          <a:fillRef idx="1">
+            <a:schemeClr val="accent1"/>
+          </a:fillRef>
+          <a:effectRef idx="0">
+            <a:schemeClr val="accent1"/>
+          </a:effectRef>
+          <a:fontRef idx="minor">
+            <a:schemeClr val="lt1"/>
+          </a:fontRef>
+        </p:style>
+        <p:txBody>
+          <a:bodyPr rtlCol="0" anchor="ctr"/>
+          <a:lstStyle/>
+          <a:p>
+            <a:pPr algn="ctr"/>
+            <a:r>
+              <a:rPr kumimoji="1" lang="en-US" altLang="ja-JP" dirty="0"/>
+              <a:t>3.</a:t>
+            </a:r>
+            <a:r>
+              <a:rPr kumimoji="1" lang="zh-CN" altLang="en-US" dirty="0"/>
+              <a:t>逃课</a:t>
+            </a:r>
+            <a:endParaRPr kumimoji="1" lang="ja-JP" altLang="en-US" dirty="0"/>
+          </a:p>
+        </p:txBody>
+      </p:sp>
+      <p:sp>
+        <p:nvSpPr>
+          <p:cNvPr id="26" name="椭圆 25">
+            <a:extLst>
+              <a:ext uri="{FF2B5EF4-FFF2-40B4-BE49-F238E27FC236}">
+                <a16:creationId xmlns:a16="http://schemas.microsoft.com/office/drawing/2014/main" id="{B905991E-2572-1753-FF82-CD474F8E0408}"/>
+              </a:ext>
+            </a:extLst>
+          </p:cNvPr>
+          <p:cNvSpPr/>
+          <p:nvPr/>
+        </p:nvSpPr>
+        <p:spPr>
+          <a:xfrm>
+            <a:off x="4448178" y="6007993"/>
+            <a:ext cx="1678450" cy="849126"/>
+          </a:xfrm>
+          <a:prstGeom prst="ellipse">
+            <a:avLst/>
+          </a:prstGeom>
+        </p:spPr>
+        <p:style>
+          <a:lnRef idx="2">
+            <a:schemeClr val="accent1">
+              <a:shade val="50000"/>
+            </a:schemeClr>
+          </a:lnRef>
+          <a:fillRef idx="1">
+            <a:schemeClr val="accent1"/>
+          </a:fillRef>
+          <a:effectRef idx="0">
+            <a:schemeClr val="accent1"/>
+          </a:effectRef>
+          <a:fontRef idx="minor">
+            <a:schemeClr val="lt1"/>
+          </a:fontRef>
+        </p:style>
+        <p:txBody>
+          <a:bodyPr rtlCol="0" anchor="ctr"/>
+          <a:lstStyle/>
+          <a:p>
+            <a:pPr algn="ctr"/>
+            <a:r>
+              <a:rPr kumimoji="1" lang="en-US" altLang="ja-JP" dirty="0"/>
+              <a:t>1.</a:t>
+            </a:r>
+            <a:r>
+              <a:rPr kumimoji="1" lang="zh-CN" altLang="en-US" dirty="0"/>
+              <a:t>听话</a:t>
+            </a:r>
+            <a:endParaRPr kumimoji="1" lang="ja-JP" altLang="en-US" dirty="0"/>
+          </a:p>
+        </p:txBody>
+      </p:sp>
+      <p:sp>
+        <p:nvSpPr>
+          <p:cNvPr id="27" name="椭圆 26">
+            <a:extLst>
+              <a:ext uri="{FF2B5EF4-FFF2-40B4-BE49-F238E27FC236}">
+                <a16:creationId xmlns:a16="http://schemas.microsoft.com/office/drawing/2014/main" id="{679A584C-992B-AFC9-540B-361E82E15D34}"/>
+              </a:ext>
+            </a:extLst>
+          </p:cNvPr>
+          <p:cNvSpPr/>
+          <p:nvPr/>
+        </p:nvSpPr>
+        <p:spPr>
+          <a:xfrm>
+            <a:off x="2545817" y="5842504"/>
+            <a:ext cx="1678450" cy="849126"/>
+          </a:xfrm>
+          <a:prstGeom prst="ellipse">
+            <a:avLst/>
+          </a:prstGeom>
+        </p:spPr>
+        <p:style>
+          <a:lnRef idx="2">
+            <a:schemeClr val="accent1">
+              <a:shade val="50000"/>
+            </a:schemeClr>
+          </a:lnRef>
+          <a:fillRef idx="1">
+            <a:schemeClr val="accent1"/>
+          </a:fillRef>
+          <a:effectRef idx="0">
+            <a:schemeClr val="accent1"/>
+          </a:effectRef>
+          <a:fontRef idx="minor">
+            <a:schemeClr val="lt1"/>
+          </a:fontRef>
+        </p:style>
+        <p:txBody>
+          <a:bodyPr rtlCol="0" anchor="ctr"/>
+          <a:lstStyle/>
+          <a:p>
+            <a:pPr algn="ctr"/>
+            <a:r>
+              <a:rPr kumimoji="1" lang="en-US" altLang="ja-JP" dirty="0"/>
+              <a:t>2.</a:t>
+            </a:r>
+            <a:r>
+              <a:rPr kumimoji="1" lang="zh-CN" altLang="en-US" dirty="0"/>
+              <a:t>岁数小于</a:t>
+            </a:r>
+            <a:r>
+              <a:rPr kumimoji="1" lang="en-US" altLang="zh-CN" dirty="0"/>
+              <a:t>12</a:t>
+            </a:r>
+            <a:endParaRPr kumimoji="1" lang="ja-JP" altLang="en-US" dirty="0"/>
+          </a:p>
+        </p:txBody>
+      </p:sp>
     </p:spTree>
     <p:extLst>
       <p:ext uri="{BB962C8B-B14F-4D97-AF65-F5344CB8AC3E}">
@@ -47537,7 +48616,7 @@
         <p:spPr/>
         <p:txBody>
           <a:bodyPr>
-            <a:normAutofit fontScale="92500" lnSpcReduction="10000"/>
+            <a:normAutofit fontScale="92500"/>
           </a:bodyPr>
           <a:lstStyle/>
           <a:p>
